--- a/ppt 16-9/1132.快数算在世的.pptx
+++ b/ppt 16-9/1132.快数算在世的.pptx
@@ -5,7 +5,7 @@
     <p:sldMasterId id="2147483648" r:id="rId1"/>
   </p:sldMasterIdLst>
   <p:sldIdLst>
-    <p:sldId id="617" r:id="rId2"/>
+    <p:sldId id="618" r:id="rId2"/>
   </p:sldIdLst>
   <p:sldSz cx="12192000" cy="6858000"/>
   <p:notesSz cx="6858000" cy="9144000"/>
@@ -129,7 +129,7 @@
           <p:cNvPr id="2" name="标题 1">
             <a:extLst>
               <a:ext uri="{FF2B5EF4-FFF2-40B4-BE49-F238E27FC236}">
-                <a16:creationId xmlns:a16="http://schemas.microsoft.com/office/drawing/2014/main" id="{D22DECFA-9119-6432-2FCA-FD699F3E0902}"/>
+                <a16:creationId xmlns:a16="http://schemas.microsoft.com/office/drawing/2014/main" id="{C2A0E71A-EB4F-C305-3F57-8D185FDEE86D}"/>
               </a:ext>
             </a:extLst>
           </p:cNvPr>
@@ -166,7 +166,7 @@
           <p:cNvPr id="3" name="副标题 2">
             <a:extLst>
               <a:ext uri="{FF2B5EF4-FFF2-40B4-BE49-F238E27FC236}">
-                <a16:creationId xmlns:a16="http://schemas.microsoft.com/office/drawing/2014/main" id="{8A863C50-7776-9AFD-F816-A0A0940BBB6A}"/>
+                <a16:creationId xmlns:a16="http://schemas.microsoft.com/office/drawing/2014/main" id="{9AD56715-D0F3-D02B-B7B5-3B36CCABC0B4}"/>
               </a:ext>
             </a:extLst>
           </p:cNvPr>
@@ -236,7 +236,7 @@
           <p:cNvPr id="4" name="日期占位符 3">
             <a:extLst>
               <a:ext uri="{FF2B5EF4-FFF2-40B4-BE49-F238E27FC236}">
-                <a16:creationId xmlns:a16="http://schemas.microsoft.com/office/drawing/2014/main" id="{7CA1DCC2-CD02-17DA-264A-F94388F57573}"/>
+                <a16:creationId xmlns:a16="http://schemas.microsoft.com/office/drawing/2014/main" id="{EF1F63E2-AEA8-6761-B396-24350DA04C50}"/>
               </a:ext>
             </a:extLst>
           </p:cNvPr>
@@ -252,7 +252,7 @@
           <a:bodyPr/>
           <a:lstStyle/>
           <a:p>
-            <a:fld id="{903F0209-B148-4268-9970-304DB75329E0}" type="datetimeFigureOut">
+            <a:fld id="{1518E48C-468D-4EA4-AC8F-733687E9235C}" type="datetimeFigureOut">
               <a:rPr lang="zh-CN" altLang="en-US" smtClean="0"/>
               <a:t>2024/3/10</a:t>
             </a:fld>
@@ -265,7 +265,7 @@
           <p:cNvPr id="5" name="页脚占位符 4">
             <a:extLst>
               <a:ext uri="{FF2B5EF4-FFF2-40B4-BE49-F238E27FC236}">
-                <a16:creationId xmlns:a16="http://schemas.microsoft.com/office/drawing/2014/main" id="{79AEB724-4D65-4147-0FFD-E67523E071D2}"/>
+                <a16:creationId xmlns:a16="http://schemas.microsoft.com/office/drawing/2014/main" id="{7DC3A791-857C-75E4-D725-83A08FC7667D}"/>
               </a:ext>
             </a:extLst>
           </p:cNvPr>
@@ -290,7 +290,7 @@
           <p:cNvPr id="6" name="灯片编号占位符 5">
             <a:extLst>
               <a:ext uri="{FF2B5EF4-FFF2-40B4-BE49-F238E27FC236}">
-                <a16:creationId xmlns:a16="http://schemas.microsoft.com/office/drawing/2014/main" id="{06DB8F44-14FB-D5B3-09FF-658C1F391462}"/>
+                <a16:creationId xmlns:a16="http://schemas.microsoft.com/office/drawing/2014/main" id="{5538EB48-B94F-3E31-5CFA-5CE5FB847A1B}"/>
               </a:ext>
             </a:extLst>
           </p:cNvPr>
@@ -306,7 +306,7 @@
           <a:bodyPr/>
           <a:lstStyle/>
           <a:p>
-            <a:fld id="{C421FD27-0961-4D24-A4B7-3119F038E1B3}" type="slidenum">
+            <a:fld id="{93120063-7228-47DF-9AE8-30BAC037136B}" type="slidenum">
               <a:rPr lang="zh-CN" altLang="en-US" smtClean="0"/>
               <a:t>‹#›</a:t>
             </a:fld>
@@ -317,7 +317,7 @@
     </p:spTree>
     <p:extLst>
       <p:ext uri="{BB962C8B-B14F-4D97-AF65-F5344CB8AC3E}">
-        <p14:creationId xmlns:p14="http://schemas.microsoft.com/office/powerpoint/2010/main" val="2256254315"/>
+        <p14:creationId xmlns:p14="http://schemas.microsoft.com/office/powerpoint/2010/main" val="4007880661"/>
       </p:ext>
     </p:extLst>
   </p:cSld>
@@ -349,7 +349,7 @@
           <p:cNvPr id="2" name="标题 1">
             <a:extLst>
               <a:ext uri="{FF2B5EF4-FFF2-40B4-BE49-F238E27FC236}">
-                <a16:creationId xmlns:a16="http://schemas.microsoft.com/office/drawing/2014/main" id="{5A042028-8DD8-B2FA-9838-0B422C0DD93A}"/>
+                <a16:creationId xmlns:a16="http://schemas.microsoft.com/office/drawing/2014/main" id="{BD4B306E-0B4F-E9EB-75F1-60E7621EFFB2}"/>
               </a:ext>
             </a:extLst>
           </p:cNvPr>
@@ -377,7 +377,7 @@
           <p:cNvPr id="3" name="竖排文字占位符 2">
             <a:extLst>
               <a:ext uri="{FF2B5EF4-FFF2-40B4-BE49-F238E27FC236}">
-                <a16:creationId xmlns:a16="http://schemas.microsoft.com/office/drawing/2014/main" id="{5A2E0301-FF68-06CB-2929-89C0FB1CA005}"/>
+                <a16:creationId xmlns:a16="http://schemas.microsoft.com/office/drawing/2014/main" id="{1D705D5A-CD71-6279-55EE-CEBE1F05D69D}"/>
               </a:ext>
             </a:extLst>
           </p:cNvPr>
@@ -434,7 +434,7 @@
           <p:cNvPr id="4" name="日期占位符 3">
             <a:extLst>
               <a:ext uri="{FF2B5EF4-FFF2-40B4-BE49-F238E27FC236}">
-                <a16:creationId xmlns:a16="http://schemas.microsoft.com/office/drawing/2014/main" id="{674E7FC6-211A-E8CF-4EBC-A51F32CD9EAF}"/>
+                <a16:creationId xmlns:a16="http://schemas.microsoft.com/office/drawing/2014/main" id="{E3E37A8D-484D-C8A2-63B5-9BE0A7FD725E}"/>
               </a:ext>
             </a:extLst>
           </p:cNvPr>
@@ -450,7 +450,7 @@
           <a:bodyPr/>
           <a:lstStyle/>
           <a:p>
-            <a:fld id="{903F0209-B148-4268-9970-304DB75329E0}" type="datetimeFigureOut">
+            <a:fld id="{1518E48C-468D-4EA4-AC8F-733687E9235C}" type="datetimeFigureOut">
               <a:rPr lang="zh-CN" altLang="en-US" smtClean="0"/>
               <a:t>2024/3/10</a:t>
             </a:fld>
@@ -463,7 +463,7 @@
           <p:cNvPr id="5" name="页脚占位符 4">
             <a:extLst>
               <a:ext uri="{FF2B5EF4-FFF2-40B4-BE49-F238E27FC236}">
-                <a16:creationId xmlns:a16="http://schemas.microsoft.com/office/drawing/2014/main" id="{14C8A9E7-A162-145F-4BB3-91C502AEB3CF}"/>
+                <a16:creationId xmlns:a16="http://schemas.microsoft.com/office/drawing/2014/main" id="{B0C462F0-6448-CF31-6042-33CAFF1DD54E}"/>
               </a:ext>
             </a:extLst>
           </p:cNvPr>
@@ -488,7 +488,7 @@
           <p:cNvPr id="6" name="灯片编号占位符 5">
             <a:extLst>
               <a:ext uri="{FF2B5EF4-FFF2-40B4-BE49-F238E27FC236}">
-                <a16:creationId xmlns:a16="http://schemas.microsoft.com/office/drawing/2014/main" id="{A3BF0614-B73F-4C30-4F3F-017261EBFF88}"/>
+                <a16:creationId xmlns:a16="http://schemas.microsoft.com/office/drawing/2014/main" id="{78020BFE-4B63-114E-2EA3-62E12D721158}"/>
               </a:ext>
             </a:extLst>
           </p:cNvPr>
@@ -504,7 +504,7 @@
           <a:bodyPr/>
           <a:lstStyle/>
           <a:p>
-            <a:fld id="{C421FD27-0961-4D24-A4B7-3119F038E1B3}" type="slidenum">
+            <a:fld id="{93120063-7228-47DF-9AE8-30BAC037136B}" type="slidenum">
               <a:rPr lang="zh-CN" altLang="en-US" smtClean="0"/>
               <a:t>‹#›</a:t>
             </a:fld>
@@ -515,7 +515,7 @@
     </p:spTree>
     <p:extLst>
       <p:ext uri="{BB962C8B-B14F-4D97-AF65-F5344CB8AC3E}">
-        <p14:creationId xmlns:p14="http://schemas.microsoft.com/office/powerpoint/2010/main" val="1574844614"/>
+        <p14:creationId xmlns:p14="http://schemas.microsoft.com/office/powerpoint/2010/main" val="466029031"/>
       </p:ext>
     </p:extLst>
   </p:cSld>
@@ -547,7 +547,7 @@
           <p:cNvPr id="2" name="竖排标题 1">
             <a:extLst>
               <a:ext uri="{FF2B5EF4-FFF2-40B4-BE49-F238E27FC236}">
-                <a16:creationId xmlns:a16="http://schemas.microsoft.com/office/drawing/2014/main" id="{D59D7D2D-A595-7003-78BA-87942846120F}"/>
+                <a16:creationId xmlns:a16="http://schemas.microsoft.com/office/drawing/2014/main" id="{757FC754-8C0A-A149-EB86-3E76D7FDF7F3}"/>
               </a:ext>
             </a:extLst>
           </p:cNvPr>
@@ -580,7 +580,7 @@
           <p:cNvPr id="3" name="竖排文字占位符 2">
             <a:extLst>
               <a:ext uri="{FF2B5EF4-FFF2-40B4-BE49-F238E27FC236}">
-                <a16:creationId xmlns:a16="http://schemas.microsoft.com/office/drawing/2014/main" id="{9402E901-6A19-EEF2-C9CF-B6E3E1C2B19A}"/>
+                <a16:creationId xmlns:a16="http://schemas.microsoft.com/office/drawing/2014/main" id="{4ED0509D-570B-B423-DC3D-97DB833AEB99}"/>
               </a:ext>
             </a:extLst>
           </p:cNvPr>
@@ -642,7 +642,7 @@
           <p:cNvPr id="4" name="日期占位符 3">
             <a:extLst>
               <a:ext uri="{FF2B5EF4-FFF2-40B4-BE49-F238E27FC236}">
-                <a16:creationId xmlns:a16="http://schemas.microsoft.com/office/drawing/2014/main" id="{9FA29203-E031-FDB0-AF60-D7CCCD9A179B}"/>
+                <a16:creationId xmlns:a16="http://schemas.microsoft.com/office/drawing/2014/main" id="{6A31B760-97BB-3C43-B864-5564BDD948B8}"/>
               </a:ext>
             </a:extLst>
           </p:cNvPr>
@@ -658,7 +658,7 @@
           <a:bodyPr/>
           <a:lstStyle/>
           <a:p>
-            <a:fld id="{903F0209-B148-4268-9970-304DB75329E0}" type="datetimeFigureOut">
+            <a:fld id="{1518E48C-468D-4EA4-AC8F-733687E9235C}" type="datetimeFigureOut">
               <a:rPr lang="zh-CN" altLang="en-US" smtClean="0"/>
               <a:t>2024/3/10</a:t>
             </a:fld>
@@ -671,7 +671,7 @@
           <p:cNvPr id="5" name="页脚占位符 4">
             <a:extLst>
               <a:ext uri="{FF2B5EF4-FFF2-40B4-BE49-F238E27FC236}">
-                <a16:creationId xmlns:a16="http://schemas.microsoft.com/office/drawing/2014/main" id="{059E78B2-1881-69C7-2746-39B68B625D34}"/>
+                <a16:creationId xmlns:a16="http://schemas.microsoft.com/office/drawing/2014/main" id="{C3B79AA0-35B4-23F0-6C39-473C794732B6}"/>
               </a:ext>
             </a:extLst>
           </p:cNvPr>
@@ -696,7 +696,7 @@
           <p:cNvPr id="6" name="灯片编号占位符 5">
             <a:extLst>
               <a:ext uri="{FF2B5EF4-FFF2-40B4-BE49-F238E27FC236}">
-                <a16:creationId xmlns:a16="http://schemas.microsoft.com/office/drawing/2014/main" id="{8BB429EC-2B49-758B-80B7-D981995836A5}"/>
+                <a16:creationId xmlns:a16="http://schemas.microsoft.com/office/drawing/2014/main" id="{DE21CEC6-E696-F61B-7308-F5FA07831CE2}"/>
               </a:ext>
             </a:extLst>
           </p:cNvPr>
@@ -712,7 +712,7 @@
           <a:bodyPr/>
           <a:lstStyle/>
           <a:p>
-            <a:fld id="{C421FD27-0961-4D24-A4B7-3119F038E1B3}" type="slidenum">
+            <a:fld id="{93120063-7228-47DF-9AE8-30BAC037136B}" type="slidenum">
               <a:rPr lang="zh-CN" altLang="en-US" smtClean="0"/>
               <a:t>‹#›</a:t>
             </a:fld>
@@ -723,7 +723,7 @@
     </p:spTree>
     <p:extLst>
       <p:ext uri="{BB962C8B-B14F-4D97-AF65-F5344CB8AC3E}">
-        <p14:creationId xmlns:p14="http://schemas.microsoft.com/office/powerpoint/2010/main" val="1243300821"/>
+        <p14:creationId xmlns:p14="http://schemas.microsoft.com/office/powerpoint/2010/main" val="1856762871"/>
       </p:ext>
     </p:extLst>
   </p:cSld>
@@ -755,7 +755,7 @@
           <p:cNvPr id="2" name="标题 1">
             <a:extLst>
               <a:ext uri="{FF2B5EF4-FFF2-40B4-BE49-F238E27FC236}">
-                <a16:creationId xmlns:a16="http://schemas.microsoft.com/office/drawing/2014/main" id="{D6FA99B6-B56F-B870-8275-F4241970A2FB}"/>
+                <a16:creationId xmlns:a16="http://schemas.microsoft.com/office/drawing/2014/main" id="{9013DF41-BBEB-5251-E2C4-CB19ABAD128C}"/>
               </a:ext>
             </a:extLst>
           </p:cNvPr>
@@ -783,7 +783,7 @@
           <p:cNvPr id="3" name="内容占位符 2">
             <a:extLst>
               <a:ext uri="{FF2B5EF4-FFF2-40B4-BE49-F238E27FC236}">
-                <a16:creationId xmlns:a16="http://schemas.microsoft.com/office/drawing/2014/main" id="{FFE2B238-A8AE-8A1C-A286-04A8B7D96C4A}"/>
+                <a16:creationId xmlns:a16="http://schemas.microsoft.com/office/drawing/2014/main" id="{6D56158C-CA8F-0A23-69C1-210E157EFF39}"/>
               </a:ext>
             </a:extLst>
           </p:cNvPr>
@@ -840,7 +840,7 @@
           <p:cNvPr id="4" name="日期占位符 3">
             <a:extLst>
               <a:ext uri="{FF2B5EF4-FFF2-40B4-BE49-F238E27FC236}">
-                <a16:creationId xmlns:a16="http://schemas.microsoft.com/office/drawing/2014/main" id="{CB39C59C-5FB2-A37F-BD92-8C39035EEC80}"/>
+                <a16:creationId xmlns:a16="http://schemas.microsoft.com/office/drawing/2014/main" id="{30167169-402E-918F-32F0-B10648D86308}"/>
               </a:ext>
             </a:extLst>
           </p:cNvPr>
@@ -856,7 +856,7 @@
           <a:bodyPr/>
           <a:lstStyle/>
           <a:p>
-            <a:fld id="{903F0209-B148-4268-9970-304DB75329E0}" type="datetimeFigureOut">
+            <a:fld id="{1518E48C-468D-4EA4-AC8F-733687E9235C}" type="datetimeFigureOut">
               <a:rPr lang="zh-CN" altLang="en-US" smtClean="0"/>
               <a:t>2024/3/10</a:t>
             </a:fld>
@@ -869,7 +869,7 @@
           <p:cNvPr id="5" name="页脚占位符 4">
             <a:extLst>
               <a:ext uri="{FF2B5EF4-FFF2-40B4-BE49-F238E27FC236}">
-                <a16:creationId xmlns:a16="http://schemas.microsoft.com/office/drawing/2014/main" id="{47D882C4-D9CC-A5BC-6BE6-A359C6471FD4}"/>
+                <a16:creationId xmlns:a16="http://schemas.microsoft.com/office/drawing/2014/main" id="{A33D00AD-2A95-CC75-44DA-E8BF837C4FFA}"/>
               </a:ext>
             </a:extLst>
           </p:cNvPr>
@@ -894,7 +894,7 @@
           <p:cNvPr id="6" name="灯片编号占位符 5">
             <a:extLst>
               <a:ext uri="{FF2B5EF4-FFF2-40B4-BE49-F238E27FC236}">
-                <a16:creationId xmlns:a16="http://schemas.microsoft.com/office/drawing/2014/main" id="{826ECE9E-342B-4E7B-A753-BBD4C9688E74}"/>
+                <a16:creationId xmlns:a16="http://schemas.microsoft.com/office/drawing/2014/main" id="{2F44CD9B-21EC-15DF-DD86-4D21C94E4923}"/>
               </a:ext>
             </a:extLst>
           </p:cNvPr>
@@ -910,7 +910,7 @@
           <a:bodyPr/>
           <a:lstStyle/>
           <a:p>
-            <a:fld id="{C421FD27-0961-4D24-A4B7-3119F038E1B3}" type="slidenum">
+            <a:fld id="{93120063-7228-47DF-9AE8-30BAC037136B}" type="slidenum">
               <a:rPr lang="zh-CN" altLang="en-US" smtClean="0"/>
               <a:t>‹#›</a:t>
             </a:fld>
@@ -921,7 +921,7 @@
     </p:spTree>
     <p:extLst>
       <p:ext uri="{BB962C8B-B14F-4D97-AF65-F5344CB8AC3E}">
-        <p14:creationId xmlns:p14="http://schemas.microsoft.com/office/powerpoint/2010/main" val="2803839733"/>
+        <p14:creationId xmlns:p14="http://schemas.microsoft.com/office/powerpoint/2010/main" val="4485546"/>
       </p:ext>
     </p:extLst>
   </p:cSld>
@@ -953,7 +953,7 @@
           <p:cNvPr id="2" name="标题 1">
             <a:extLst>
               <a:ext uri="{FF2B5EF4-FFF2-40B4-BE49-F238E27FC236}">
-                <a16:creationId xmlns:a16="http://schemas.microsoft.com/office/drawing/2014/main" id="{15B65398-1C7F-DF4C-FE12-3D1C1776B714}"/>
+                <a16:creationId xmlns:a16="http://schemas.microsoft.com/office/drawing/2014/main" id="{04B41ADD-E35B-7154-8EFF-56745223A260}"/>
               </a:ext>
             </a:extLst>
           </p:cNvPr>
@@ -990,7 +990,7 @@
           <p:cNvPr id="3" name="文本占位符 2">
             <a:extLst>
               <a:ext uri="{FF2B5EF4-FFF2-40B4-BE49-F238E27FC236}">
-                <a16:creationId xmlns:a16="http://schemas.microsoft.com/office/drawing/2014/main" id="{8A7CE6A9-F880-8589-4DF4-65C938D65334}"/>
+                <a16:creationId xmlns:a16="http://schemas.microsoft.com/office/drawing/2014/main" id="{203E7BFA-AC33-52B0-F587-42A24EF2DFF7}"/>
               </a:ext>
             </a:extLst>
           </p:cNvPr>
@@ -1115,7 +1115,7 @@
           <p:cNvPr id="4" name="日期占位符 3">
             <a:extLst>
               <a:ext uri="{FF2B5EF4-FFF2-40B4-BE49-F238E27FC236}">
-                <a16:creationId xmlns:a16="http://schemas.microsoft.com/office/drawing/2014/main" id="{8533E9B2-206E-F115-0B28-2CC82F9B49D1}"/>
+                <a16:creationId xmlns:a16="http://schemas.microsoft.com/office/drawing/2014/main" id="{28C8A27E-2566-95FC-6A81-4651D710A965}"/>
               </a:ext>
             </a:extLst>
           </p:cNvPr>
@@ -1131,7 +1131,7 @@
           <a:bodyPr/>
           <a:lstStyle/>
           <a:p>
-            <a:fld id="{903F0209-B148-4268-9970-304DB75329E0}" type="datetimeFigureOut">
+            <a:fld id="{1518E48C-468D-4EA4-AC8F-733687E9235C}" type="datetimeFigureOut">
               <a:rPr lang="zh-CN" altLang="en-US" smtClean="0"/>
               <a:t>2024/3/10</a:t>
             </a:fld>
@@ -1144,7 +1144,7 @@
           <p:cNvPr id="5" name="页脚占位符 4">
             <a:extLst>
               <a:ext uri="{FF2B5EF4-FFF2-40B4-BE49-F238E27FC236}">
-                <a16:creationId xmlns:a16="http://schemas.microsoft.com/office/drawing/2014/main" id="{8AD82225-7351-5E97-6F5A-C7E0D8E765D4}"/>
+                <a16:creationId xmlns:a16="http://schemas.microsoft.com/office/drawing/2014/main" id="{851C0C06-11B8-42D3-3183-2EB554669BAC}"/>
               </a:ext>
             </a:extLst>
           </p:cNvPr>
@@ -1169,7 +1169,7 @@
           <p:cNvPr id="6" name="灯片编号占位符 5">
             <a:extLst>
               <a:ext uri="{FF2B5EF4-FFF2-40B4-BE49-F238E27FC236}">
-                <a16:creationId xmlns:a16="http://schemas.microsoft.com/office/drawing/2014/main" id="{18C8E8EC-7DBB-2C82-5BB2-E41773F6C16B}"/>
+                <a16:creationId xmlns:a16="http://schemas.microsoft.com/office/drawing/2014/main" id="{4BD90F43-0D8B-14E0-CE39-10015CFBF261}"/>
               </a:ext>
             </a:extLst>
           </p:cNvPr>
@@ -1185,7 +1185,7 @@
           <a:bodyPr/>
           <a:lstStyle/>
           <a:p>
-            <a:fld id="{C421FD27-0961-4D24-A4B7-3119F038E1B3}" type="slidenum">
+            <a:fld id="{93120063-7228-47DF-9AE8-30BAC037136B}" type="slidenum">
               <a:rPr lang="zh-CN" altLang="en-US" smtClean="0"/>
               <a:t>‹#›</a:t>
             </a:fld>
@@ -1196,7 +1196,7 @@
     </p:spTree>
     <p:extLst>
       <p:ext uri="{BB962C8B-B14F-4D97-AF65-F5344CB8AC3E}">
-        <p14:creationId xmlns:p14="http://schemas.microsoft.com/office/powerpoint/2010/main" val="2726097599"/>
+        <p14:creationId xmlns:p14="http://schemas.microsoft.com/office/powerpoint/2010/main" val="3460679450"/>
       </p:ext>
     </p:extLst>
   </p:cSld>
@@ -1228,7 +1228,7 @@
           <p:cNvPr id="2" name="标题 1">
             <a:extLst>
               <a:ext uri="{FF2B5EF4-FFF2-40B4-BE49-F238E27FC236}">
-                <a16:creationId xmlns:a16="http://schemas.microsoft.com/office/drawing/2014/main" id="{EF09D945-8BC3-3260-C19C-2D0842E72670}"/>
+                <a16:creationId xmlns:a16="http://schemas.microsoft.com/office/drawing/2014/main" id="{6A4B1E8F-703F-089B-E7A9-703FFBD451CD}"/>
               </a:ext>
             </a:extLst>
           </p:cNvPr>
@@ -1256,7 +1256,7 @@
           <p:cNvPr id="3" name="内容占位符 2">
             <a:extLst>
               <a:ext uri="{FF2B5EF4-FFF2-40B4-BE49-F238E27FC236}">
-                <a16:creationId xmlns:a16="http://schemas.microsoft.com/office/drawing/2014/main" id="{7F3A1F56-5C9E-D11C-903B-78CA7FDB80B4}"/>
+                <a16:creationId xmlns:a16="http://schemas.microsoft.com/office/drawing/2014/main" id="{65C4150F-1D58-C760-1145-8A6D75A7E630}"/>
               </a:ext>
             </a:extLst>
           </p:cNvPr>
@@ -1318,7 +1318,7 @@
           <p:cNvPr id="4" name="内容占位符 3">
             <a:extLst>
               <a:ext uri="{FF2B5EF4-FFF2-40B4-BE49-F238E27FC236}">
-                <a16:creationId xmlns:a16="http://schemas.microsoft.com/office/drawing/2014/main" id="{C2FC06E3-1ABE-B812-4578-3DE39DB69705}"/>
+                <a16:creationId xmlns:a16="http://schemas.microsoft.com/office/drawing/2014/main" id="{61456D01-1BB7-170E-57D3-A45CE1CC5768}"/>
               </a:ext>
             </a:extLst>
           </p:cNvPr>
@@ -1380,7 +1380,7 @@
           <p:cNvPr id="5" name="日期占位符 4">
             <a:extLst>
               <a:ext uri="{FF2B5EF4-FFF2-40B4-BE49-F238E27FC236}">
-                <a16:creationId xmlns:a16="http://schemas.microsoft.com/office/drawing/2014/main" id="{C503A945-7E1E-FB4B-A064-CE182DDED8F9}"/>
+                <a16:creationId xmlns:a16="http://schemas.microsoft.com/office/drawing/2014/main" id="{28350301-AF04-AE16-CA08-95E46C489177}"/>
               </a:ext>
             </a:extLst>
           </p:cNvPr>
@@ -1396,7 +1396,7 @@
           <a:bodyPr/>
           <a:lstStyle/>
           <a:p>
-            <a:fld id="{903F0209-B148-4268-9970-304DB75329E0}" type="datetimeFigureOut">
+            <a:fld id="{1518E48C-468D-4EA4-AC8F-733687E9235C}" type="datetimeFigureOut">
               <a:rPr lang="zh-CN" altLang="en-US" smtClean="0"/>
               <a:t>2024/3/10</a:t>
             </a:fld>
@@ -1409,7 +1409,7 @@
           <p:cNvPr id="6" name="页脚占位符 5">
             <a:extLst>
               <a:ext uri="{FF2B5EF4-FFF2-40B4-BE49-F238E27FC236}">
-                <a16:creationId xmlns:a16="http://schemas.microsoft.com/office/drawing/2014/main" id="{AEA519AB-53A0-6E7A-7F52-03F7928C5294}"/>
+                <a16:creationId xmlns:a16="http://schemas.microsoft.com/office/drawing/2014/main" id="{BD2554A3-8213-EF2C-93FE-12C7D5AC8ACD}"/>
               </a:ext>
             </a:extLst>
           </p:cNvPr>
@@ -1434,7 +1434,7 @@
           <p:cNvPr id="7" name="灯片编号占位符 6">
             <a:extLst>
               <a:ext uri="{FF2B5EF4-FFF2-40B4-BE49-F238E27FC236}">
-                <a16:creationId xmlns:a16="http://schemas.microsoft.com/office/drawing/2014/main" id="{AFC232CD-4779-F241-9DD0-D1F9A810E7CE}"/>
+                <a16:creationId xmlns:a16="http://schemas.microsoft.com/office/drawing/2014/main" id="{CDB9935D-25B6-0389-D38E-699D85081DE2}"/>
               </a:ext>
             </a:extLst>
           </p:cNvPr>
@@ -1450,7 +1450,7 @@
           <a:bodyPr/>
           <a:lstStyle/>
           <a:p>
-            <a:fld id="{C421FD27-0961-4D24-A4B7-3119F038E1B3}" type="slidenum">
+            <a:fld id="{93120063-7228-47DF-9AE8-30BAC037136B}" type="slidenum">
               <a:rPr lang="zh-CN" altLang="en-US" smtClean="0"/>
               <a:t>‹#›</a:t>
             </a:fld>
@@ -1461,7 +1461,7 @@
     </p:spTree>
     <p:extLst>
       <p:ext uri="{BB962C8B-B14F-4D97-AF65-F5344CB8AC3E}">
-        <p14:creationId xmlns:p14="http://schemas.microsoft.com/office/powerpoint/2010/main" val="3414174189"/>
+        <p14:creationId xmlns:p14="http://schemas.microsoft.com/office/powerpoint/2010/main" val="1787894274"/>
       </p:ext>
     </p:extLst>
   </p:cSld>
@@ -1493,7 +1493,7 @@
           <p:cNvPr id="2" name="标题 1">
             <a:extLst>
               <a:ext uri="{FF2B5EF4-FFF2-40B4-BE49-F238E27FC236}">
-                <a16:creationId xmlns:a16="http://schemas.microsoft.com/office/drawing/2014/main" id="{96DC9CC3-72DB-A860-C197-4097F80906C5}"/>
+                <a16:creationId xmlns:a16="http://schemas.microsoft.com/office/drawing/2014/main" id="{2F247952-9AAD-A280-D380-9C5166F5718A}"/>
               </a:ext>
             </a:extLst>
           </p:cNvPr>
@@ -1526,7 +1526,7 @@
           <p:cNvPr id="3" name="文本占位符 2">
             <a:extLst>
               <a:ext uri="{FF2B5EF4-FFF2-40B4-BE49-F238E27FC236}">
-                <a16:creationId xmlns:a16="http://schemas.microsoft.com/office/drawing/2014/main" id="{AA10E513-B612-978C-E5D1-11D019B38FD7}"/>
+                <a16:creationId xmlns:a16="http://schemas.microsoft.com/office/drawing/2014/main" id="{7E89470E-39F7-88C2-3F01-694D1DB7BAAF}"/>
               </a:ext>
             </a:extLst>
           </p:cNvPr>
@@ -1597,7 +1597,7 @@
           <p:cNvPr id="4" name="内容占位符 3">
             <a:extLst>
               <a:ext uri="{FF2B5EF4-FFF2-40B4-BE49-F238E27FC236}">
-                <a16:creationId xmlns:a16="http://schemas.microsoft.com/office/drawing/2014/main" id="{39795C46-A87E-F00F-8E32-84E3B04109AE}"/>
+                <a16:creationId xmlns:a16="http://schemas.microsoft.com/office/drawing/2014/main" id="{EE45588A-BE6A-26AA-A27B-234B10D09056}"/>
               </a:ext>
             </a:extLst>
           </p:cNvPr>
@@ -1659,7 +1659,7 @@
           <p:cNvPr id="5" name="文本占位符 4">
             <a:extLst>
               <a:ext uri="{FF2B5EF4-FFF2-40B4-BE49-F238E27FC236}">
-                <a16:creationId xmlns:a16="http://schemas.microsoft.com/office/drawing/2014/main" id="{EDEED102-3B46-02C8-FB63-677C73CCCA6E}"/>
+                <a16:creationId xmlns:a16="http://schemas.microsoft.com/office/drawing/2014/main" id="{06A1AF31-021F-D7E8-9D65-AEC182C8ED53}"/>
               </a:ext>
             </a:extLst>
           </p:cNvPr>
@@ -1730,7 +1730,7 @@
           <p:cNvPr id="6" name="内容占位符 5">
             <a:extLst>
               <a:ext uri="{FF2B5EF4-FFF2-40B4-BE49-F238E27FC236}">
-                <a16:creationId xmlns:a16="http://schemas.microsoft.com/office/drawing/2014/main" id="{E51C22AD-551D-8699-B32A-210B6E68E1E3}"/>
+                <a16:creationId xmlns:a16="http://schemas.microsoft.com/office/drawing/2014/main" id="{10E81AC9-7A74-D168-6E27-0DBD95D25999}"/>
               </a:ext>
             </a:extLst>
           </p:cNvPr>
@@ -1792,7 +1792,7 @@
           <p:cNvPr id="7" name="日期占位符 6">
             <a:extLst>
               <a:ext uri="{FF2B5EF4-FFF2-40B4-BE49-F238E27FC236}">
-                <a16:creationId xmlns:a16="http://schemas.microsoft.com/office/drawing/2014/main" id="{3DEE2424-91BD-2D56-2D97-C14295ABF89D}"/>
+                <a16:creationId xmlns:a16="http://schemas.microsoft.com/office/drawing/2014/main" id="{1390D0F4-2D98-95EF-ECE0-F3E4E71F6B7E}"/>
               </a:ext>
             </a:extLst>
           </p:cNvPr>
@@ -1808,7 +1808,7 @@
           <a:bodyPr/>
           <a:lstStyle/>
           <a:p>
-            <a:fld id="{903F0209-B148-4268-9970-304DB75329E0}" type="datetimeFigureOut">
+            <a:fld id="{1518E48C-468D-4EA4-AC8F-733687E9235C}" type="datetimeFigureOut">
               <a:rPr lang="zh-CN" altLang="en-US" smtClean="0"/>
               <a:t>2024/3/10</a:t>
             </a:fld>
@@ -1821,7 +1821,7 @@
           <p:cNvPr id="8" name="页脚占位符 7">
             <a:extLst>
               <a:ext uri="{FF2B5EF4-FFF2-40B4-BE49-F238E27FC236}">
-                <a16:creationId xmlns:a16="http://schemas.microsoft.com/office/drawing/2014/main" id="{A1376CA9-6532-FCED-D957-7EEABA0DBE31}"/>
+                <a16:creationId xmlns:a16="http://schemas.microsoft.com/office/drawing/2014/main" id="{396077F1-D395-F0F3-BCE1-3FA82682DD5C}"/>
               </a:ext>
             </a:extLst>
           </p:cNvPr>
@@ -1846,7 +1846,7 @@
           <p:cNvPr id="9" name="灯片编号占位符 8">
             <a:extLst>
               <a:ext uri="{FF2B5EF4-FFF2-40B4-BE49-F238E27FC236}">
-                <a16:creationId xmlns:a16="http://schemas.microsoft.com/office/drawing/2014/main" id="{145D31C1-3615-1A6C-1A6C-1007BF4287A2}"/>
+                <a16:creationId xmlns:a16="http://schemas.microsoft.com/office/drawing/2014/main" id="{01B45382-6F70-105C-E45F-45F12A43E229}"/>
               </a:ext>
             </a:extLst>
           </p:cNvPr>
@@ -1862,7 +1862,7 @@
           <a:bodyPr/>
           <a:lstStyle/>
           <a:p>
-            <a:fld id="{C421FD27-0961-4D24-A4B7-3119F038E1B3}" type="slidenum">
+            <a:fld id="{93120063-7228-47DF-9AE8-30BAC037136B}" type="slidenum">
               <a:rPr lang="zh-CN" altLang="en-US" smtClean="0"/>
               <a:t>‹#›</a:t>
             </a:fld>
@@ -1873,7 +1873,7 @@
     </p:spTree>
     <p:extLst>
       <p:ext uri="{BB962C8B-B14F-4D97-AF65-F5344CB8AC3E}">
-        <p14:creationId xmlns:p14="http://schemas.microsoft.com/office/powerpoint/2010/main" val="741606120"/>
+        <p14:creationId xmlns:p14="http://schemas.microsoft.com/office/powerpoint/2010/main" val="387983788"/>
       </p:ext>
     </p:extLst>
   </p:cSld>
@@ -1905,7 +1905,7 @@
           <p:cNvPr id="2" name="标题 1">
             <a:extLst>
               <a:ext uri="{FF2B5EF4-FFF2-40B4-BE49-F238E27FC236}">
-                <a16:creationId xmlns:a16="http://schemas.microsoft.com/office/drawing/2014/main" id="{05F70740-3ED8-8B57-7039-8DB3FAC8570C}"/>
+                <a16:creationId xmlns:a16="http://schemas.microsoft.com/office/drawing/2014/main" id="{70D5EED9-296D-0063-EF11-9B219EC81534}"/>
               </a:ext>
             </a:extLst>
           </p:cNvPr>
@@ -1933,7 +1933,7 @@
           <p:cNvPr id="3" name="日期占位符 2">
             <a:extLst>
               <a:ext uri="{FF2B5EF4-FFF2-40B4-BE49-F238E27FC236}">
-                <a16:creationId xmlns:a16="http://schemas.microsoft.com/office/drawing/2014/main" id="{6CD616FB-AB6E-E9A6-7C71-AFA772CBF418}"/>
+                <a16:creationId xmlns:a16="http://schemas.microsoft.com/office/drawing/2014/main" id="{33D0E50E-CEC7-03E1-EF99-89E4618F3DB2}"/>
               </a:ext>
             </a:extLst>
           </p:cNvPr>
@@ -1949,7 +1949,7 @@
           <a:bodyPr/>
           <a:lstStyle/>
           <a:p>
-            <a:fld id="{903F0209-B148-4268-9970-304DB75329E0}" type="datetimeFigureOut">
+            <a:fld id="{1518E48C-468D-4EA4-AC8F-733687E9235C}" type="datetimeFigureOut">
               <a:rPr lang="zh-CN" altLang="en-US" smtClean="0"/>
               <a:t>2024/3/10</a:t>
             </a:fld>
@@ -1962,7 +1962,7 @@
           <p:cNvPr id="4" name="页脚占位符 3">
             <a:extLst>
               <a:ext uri="{FF2B5EF4-FFF2-40B4-BE49-F238E27FC236}">
-                <a16:creationId xmlns:a16="http://schemas.microsoft.com/office/drawing/2014/main" id="{3E68D261-38BD-09C7-61BF-E26699325C87}"/>
+                <a16:creationId xmlns:a16="http://schemas.microsoft.com/office/drawing/2014/main" id="{C49C57CF-3FEE-3D94-0AE1-C936FFCAD21A}"/>
               </a:ext>
             </a:extLst>
           </p:cNvPr>
@@ -1987,7 +1987,7 @@
           <p:cNvPr id="5" name="灯片编号占位符 4">
             <a:extLst>
               <a:ext uri="{FF2B5EF4-FFF2-40B4-BE49-F238E27FC236}">
-                <a16:creationId xmlns:a16="http://schemas.microsoft.com/office/drawing/2014/main" id="{54C3182F-C40E-242D-3F10-E5291C52C51C}"/>
+                <a16:creationId xmlns:a16="http://schemas.microsoft.com/office/drawing/2014/main" id="{AD189B33-EC80-BFE3-216A-D7C4B1127524}"/>
               </a:ext>
             </a:extLst>
           </p:cNvPr>
@@ -2003,7 +2003,7 @@
           <a:bodyPr/>
           <a:lstStyle/>
           <a:p>
-            <a:fld id="{C421FD27-0961-4D24-A4B7-3119F038E1B3}" type="slidenum">
+            <a:fld id="{93120063-7228-47DF-9AE8-30BAC037136B}" type="slidenum">
               <a:rPr lang="zh-CN" altLang="en-US" smtClean="0"/>
               <a:t>‹#›</a:t>
             </a:fld>
@@ -2014,7 +2014,7 @@
     </p:spTree>
     <p:extLst>
       <p:ext uri="{BB962C8B-B14F-4D97-AF65-F5344CB8AC3E}">
-        <p14:creationId xmlns:p14="http://schemas.microsoft.com/office/powerpoint/2010/main" val="3026612563"/>
+        <p14:creationId xmlns:p14="http://schemas.microsoft.com/office/powerpoint/2010/main" val="3826379713"/>
       </p:ext>
     </p:extLst>
   </p:cSld>
@@ -2046,7 +2046,7 @@
           <p:cNvPr id="2" name="日期占位符 1">
             <a:extLst>
               <a:ext uri="{FF2B5EF4-FFF2-40B4-BE49-F238E27FC236}">
-                <a16:creationId xmlns:a16="http://schemas.microsoft.com/office/drawing/2014/main" id="{BF938065-DF37-DEEE-24A1-9BCFCBD3E104}"/>
+                <a16:creationId xmlns:a16="http://schemas.microsoft.com/office/drawing/2014/main" id="{6079B77A-93E9-C77A-98B1-B14B512501BB}"/>
               </a:ext>
             </a:extLst>
           </p:cNvPr>
@@ -2062,7 +2062,7 @@
           <a:bodyPr/>
           <a:lstStyle/>
           <a:p>
-            <a:fld id="{903F0209-B148-4268-9970-304DB75329E0}" type="datetimeFigureOut">
+            <a:fld id="{1518E48C-468D-4EA4-AC8F-733687E9235C}" type="datetimeFigureOut">
               <a:rPr lang="zh-CN" altLang="en-US" smtClean="0"/>
               <a:t>2024/3/10</a:t>
             </a:fld>
@@ -2075,7 +2075,7 @@
           <p:cNvPr id="3" name="页脚占位符 2">
             <a:extLst>
               <a:ext uri="{FF2B5EF4-FFF2-40B4-BE49-F238E27FC236}">
-                <a16:creationId xmlns:a16="http://schemas.microsoft.com/office/drawing/2014/main" id="{E17D0F28-0861-0263-9AFE-27082CC3C22B}"/>
+                <a16:creationId xmlns:a16="http://schemas.microsoft.com/office/drawing/2014/main" id="{15C21D54-A07B-3FF6-C08B-43544C6EB7F5}"/>
               </a:ext>
             </a:extLst>
           </p:cNvPr>
@@ -2100,7 +2100,7 @@
           <p:cNvPr id="4" name="灯片编号占位符 3">
             <a:extLst>
               <a:ext uri="{FF2B5EF4-FFF2-40B4-BE49-F238E27FC236}">
-                <a16:creationId xmlns:a16="http://schemas.microsoft.com/office/drawing/2014/main" id="{BB548B69-97E9-EC33-6F6A-F453AB28708F}"/>
+                <a16:creationId xmlns:a16="http://schemas.microsoft.com/office/drawing/2014/main" id="{B3F9E4F6-F0C9-AB1D-A4BB-4423AB02EEC2}"/>
               </a:ext>
             </a:extLst>
           </p:cNvPr>
@@ -2116,7 +2116,7 @@
           <a:bodyPr/>
           <a:lstStyle/>
           <a:p>
-            <a:fld id="{C421FD27-0961-4D24-A4B7-3119F038E1B3}" type="slidenum">
+            <a:fld id="{93120063-7228-47DF-9AE8-30BAC037136B}" type="slidenum">
               <a:rPr lang="zh-CN" altLang="en-US" smtClean="0"/>
               <a:t>‹#›</a:t>
             </a:fld>
@@ -2127,7 +2127,7 @@
     </p:spTree>
     <p:extLst>
       <p:ext uri="{BB962C8B-B14F-4D97-AF65-F5344CB8AC3E}">
-        <p14:creationId xmlns:p14="http://schemas.microsoft.com/office/powerpoint/2010/main" val="2668243528"/>
+        <p14:creationId xmlns:p14="http://schemas.microsoft.com/office/powerpoint/2010/main" val="2846856853"/>
       </p:ext>
     </p:extLst>
   </p:cSld>
@@ -2159,7 +2159,7 @@
           <p:cNvPr id="2" name="标题 1">
             <a:extLst>
               <a:ext uri="{FF2B5EF4-FFF2-40B4-BE49-F238E27FC236}">
-                <a16:creationId xmlns:a16="http://schemas.microsoft.com/office/drawing/2014/main" id="{BEF620C0-7101-2593-9F28-DA757C53CBEF}"/>
+                <a16:creationId xmlns:a16="http://schemas.microsoft.com/office/drawing/2014/main" id="{0A155335-BB48-B792-D62D-D57CD8A4497F}"/>
               </a:ext>
             </a:extLst>
           </p:cNvPr>
@@ -2196,7 +2196,7 @@
           <p:cNvPr id="3" name="内容占位符 2">
             <a:extLst>
               <a:ext uri="{FF2B5EF4-FFF2-40B4-BE49-F238E27FC236}">
-                <a16:creationId xmlns:a16="http://schemas.microsoft.com/office/drawing/2014/main" id="{2BA57341-ACE9-11ED-AC50-92BA4CDA295B}"/>
+                <a16:creationId xmlns:a16="http://schemas.microsoft.com/office/drawing/2014/main" id="{06FA1CD7-CBF2-6ED5-E737-545E6A66EB8E}"/>
               </a:ext>
             </a:extLst>
           </p:cNvPr>
@@ -2286,7 +2286,7 @@
           <p:cNvPr id="4" name="文本占位符 3">
             <a:extLst>
               <a:ext uri="{FF2B5EF4-FFF2-40B4-BE49-F238E27FC236}">
-                <a16:creationId xmlns:a16="http://schemas.microsoft.com/office/drawing/2014/main" id="{399B2B03-199C-E8C4-DEAC-55968ECE1D96}"/>
+                <a16:creationId xmlns:a16="http://schemas.microsoft.com/office/drawing/2014/main" id="{5120E116-3EB6-2FB6-A116-243FD7A8B3F4}"/>
               </a:ext>
             </a:extLst>
           </p:cNvPr>
@@ -2357,7 +2357,7 @@
           <p:cNvPr id="5" name="日期占位符 4">
             <a:extLst>
               <a:ext uri="{FF2B5EF4-FFF2-40B4-BE49-F238E27FC236}">
-                <a16:creationId xmlns:a16="http://schemas.microsoft.com/office/drawing/2014/main" id="{77014F66-A577-E2EF-87B5-62EE7C4FE62E}"/>
+                <a16:creationId xmlns:a16="http://schemas.microsoft.com/office/drawing/2014/main" id="{9CB8DFC2-94F7-FB06-A8B9-BBAF38319491}"/>
               </a:ext>
             </a:extLst>
           </p:cNvPr>
@@ -2373,7 +2373,7 @@
           <a:bodyPr/>
           <a:lstStyle/>
           <a:p>
-            <a:fld id="{903F0209-B148-4268-9970-304DB75329E0}" type="datetimeFigureOut">
+            <a:fld id="{1518E48C-468D-4EA4-AC8F-733687E9235C}" type="datetimeFigureOut">
               <a:rPr lang="zh-CN" altLang="en-US" smtClean="0"/>
               <a:t>2024/3/10</a:t>
             </a:fld>
@@ -2386,7 +2386,7 @@
           <p:cNvPr id="6" name="页脚占位符 5">
             <a:extLst>
               <a:ext uri="{FF2B5EF4-FFF2-40B4-BE49-F238E27FC236}">
-                <a16:creationId xmlns:a16="http://schemas.microsoft.com/office/drawing/2014/main" id="{1CB08638-7AB4-1914-B968-8ADF6185DB9A}"/>
+                <a16:creationId xmlns:a16="http://schemas.microsoft.com/office/drawing/2014/main" id="{CBDE6DF4-DC02-2114-B23C-A45EF43237B7}"/>
               </a:ext>
             </a:extLst>
           </p:cNvPr>
@@ -2411,7 +2411,7 @@
           <p:cNvPr id="7" name="灯片编号占位符 6">
             <a:extLst>
               <a:ext uri="{FF2B5EF4-FFF2-40B4-BE49-F238E27FC236}">
-                <a16:creationId xmlns:a16="http://schemas.microsoft.com/office/drawing/2014/main" id="{76B5C878-0944-42D1-77C1-3FCC667390D2}"/>
+                <a16:creationId xmlns:a16="http://schemas.microsoft.com/office/drawing/2014/main" id="{DEB8E3BA-8242-D6A1-49E4-CCBD3713D283}"/>
               </a:ext>
             </a:extLst>
           </p:cNvPr>
@@ -2427,7 +2427,7 @@
           <a:bodyPr/>
           <a:lstStyle/>
           <a:p>
-            <a:fld id="{C421FD27-0961-4D24-A4B7-3119F038E1B3}" type="slidenum">
+            <a:fld id="{93120063-7228-47DF-9AE8-30BAC037136B}" type="slidenum">
               <a:rPr lang="zh-CN" altLang="en-US" smtClean="0"/>
               <a:t>‹#›</a:t>
             </a:fld>
@@ -2438,7 +2438,7 @@
     </p:spTree>
     <p:extLst>
       <p:ext uri="{BB962C8B-B14F-4D97-AF65-F5344CB8AC3E}">
-        <p14:creationId xmlns:p14="http://schemas.microsoft.com/office/powerpoint/2010/main" val="1371717253"/>
+        <p14:creationId xmlns:p14="http://schemas.microsoft.com/office/powerpoint/2010/main" val="2928911415"/>
       </p:ext>
     </p:extLst>
   </p:cSld>
@@ -2470,7 +2470,7 @@
           <p:cNvPr id="2" name="标题 1">
             <a:extLst>
               <a:ext uri="{FF2B5EF4-FFF2-40B4-BE49-F238E27FC236}">
-                <a16:creationId xmlns:a16="http://schemas.microsoft.com/office/drawing/2014/main" id="{3B57845A-1997-053A-BD08-F13BD00CAF24}"/>
+                <a16:creationId xmlns:a16="http://schemas.microsoft.com/office/drawing/2014/main" id="{13DFDF3F-2EC4-1AF4-F919-E0D5A7DF3DDA}"/>
               </a:ext>
             </a:extLst>
           </p:cNvPr>
@@ -2507,7 +2507,7 @@
           <p:cNvPr id="3" name="图片占位符 2">
             <a:extLst>
               <a:ext uri="{FF2B5EF4-FFF2-40B4-BE49-F238E27FC236}">
-                <a16:creationId xmlns:a16="http://schemas.microsoft.com/office/drawing/2014/main" id="{E7FBC053-E80E-483B-311C-4DB43343EFA9}"/>
+                <a16:creationId xmlns:a16="http://schemas.microsoft.com/office/drawing/2014/main" id="{CF4A5C6A-1B8A-11F3-964C-A805E2F1FBE6}"/>
               </a:ext>
             </a:extLst>
           </p:cNvPr>
@@ -2574,7 +2574,7 @@
           <p:cNvPr id="4" name="文本占位符 3">
             <a:extLst>
               <a:ext uri="{FF2B5EF4-FFF2-40B4-BE49-F238E27FC236}">
-                <a16:creationId xmlns:a16="http://schemas.microsoft.com/office/drawing/2014/main" id="{56F3E68D-0C55-692B-4D2E-01FDF62560D5}"/>
+                <a16:creationId xmlns:a16="http://schemas.microsoft.com/office/drawing/2014/main" id="{AA9111A7-F273-CD69-CED5-E5192A71E969}"/>
               </a:ext>
             </a:extLst>
           </p:cNvPr>
@@ -2645,7 +2645,7 @@
           <p:cNvPr id="5" name="日期占位符 4">
             <a:extLst>
               <a:ext uri="{FF2B5EF4-FFF2-40B4-BE49-F238E27FC236}">
-                <a16:creationId xmlns:a16="http://schemas.microsoft.com/office/drawing/2014/main" id="{259D6A77-3BDE-8FF2-FE48-ECE787D9B533}"/>
+                <a16:creationId xmlns:a16="http://schemas.microsoft.com/office/drawing/2014/main" id="{2DA2D717-BD1E-5CA4-793D-80A54CB726F3}"/>
               </a:ext>
             </a:extLst>
           </p:cNvPr>
@@ -2661,7 +2661,7 @@
           <a:bodyPr/>
           <a:lstStyle/>
           <a:p>
-            <a:fld id="{903F0209-B148-4268-9970-304DB75329E0}" type="datetimeFigureOut">
+            <a:fld id="{1518E48C-468D-4EA4-AC8F-733687E9235C}" type="datetimeFigureOut">
               <a:rPr lang="zh-CN" altLang="en-US" smtClean="0"/>
               <a:t>2024/3/10</a:t>
             </a:fld>
@@ -2674,7 +2674,7 @@
           <p:cNvPr id="6" name="页脚占位符 5">
             <a:extLst>
               <a:ext uri="{FF2B5EF4-FFF2-40B4-BE49-F238E27FC236}">
-                <a16:creationId xmlns:a16="http://schemas.microsoft.com/office/drawing/2014/main" id="{338B27D5-EF65-0290-DF3A-08F34A39C271}"/>
+                <a16:creationId xmlns:a16="http://schemas.microsoft.com/office/drawing/2014/main" id="{0D6EC7B3-429C-21C5-4113-294074D10FD2}"/>
               </a:ext>
             </a:extLst>
           </p:cNvPr>
@@ -2699,7 +2699,7 @@
           <p:cNvPr id="7" name="灯片编号占位符 6">
             <a:extLst>
               <a:ext uri="{FF2B5EF4-FFF2-40B4-BE49-F238E27FC236}">
-                <a16:creationId xmlns:a16="http://schemas.microsoft.com/office/drawing/2014/main" id="{FC02F79A-F1D4-2371-4B91-031718112E2A}"/>
+                <a16:creationId xmlns:a16="http://schemas.microsoft.com/office/drawing/2014/main" id="{D6E22989-CA5C-013D-5301-5C708EB221F8}"/>
               </a:ext>
             </a:extLst>
           </p:cNvPr>
@@ -2715,7 +2715,7 @@
           <a:bodyPr/>
           <a:lstStyle/>
           <a:p>
-            <a:fld id="{C421FD27-0961-4D24-A4B7-3119F038E1B3}" type="slidenum">
+            <a:fld id="{93120063-7228-47DF-9AE8-30BAC037136B}" type="slidenum">
               <a:rPr lang="zh-CN" altLang="en-US" smtClean="0"/>
               <a:t>‹#›</a:t>
             </a:fld>
@@ -2726,7 +2726,7 @@
     </p:spTree>
     <p:extLst>
       <p:ext uri="{BB962C8B-B14F-4D97-AF65-F5344CB8AC3E}">
-        <p14:creationId xmlns:p14="http://schemas.microsoft.com/office/powerpoint/2010/main" val="1562569319"/>
+        <p14:creationId xmlns:p14="http://schemas.microsoft.com/office/powerpoint/2010/main" val="499259463"/>
       </p:ext>
     </p:extLst>
   </p:cSld>
@@ -2763,7 +2763,7 @@
           <p:cNvPr id="2" name="标题占位符 1">
             <a:extLst>
               <a:ext uri="{FF2B5EF4-FFF2-40B4-BE49-F238E27FC236}">
-                <a16:creationId xmlns:a16="http://schemas.microsoft.com/office/drawing/2014/main" id="{50A2C1CF-E6DF-AB9E-846E-DDE648911C18}"/>
+                <a16:creationId xmlns:a16="http://schemas.microsoft.com/office/drawing/2014/main" id="{C3479B5B-04FA-DD56-0CF5-A4B83DE02D7F}"/>
               </a:ext>
             </a:extLst>
           </p:cNvPr>
@@ -2801,7 +2801,7 @@
           <p:cNvPr id="3" name="文本占位符 2">
             <a:extLst>
               <a:ext uri="{FF2B5EF4-FFF2-40B4-BE49-F238E27FC236}">
-                <a16:creationId xmlns:a16="http://schemas.microsoft.com/office/drawing/2014/main" id="{AD6F97FB-3F01-CD57-53F6-B74C623BD46F}"/>
+                <a16:creationId xmlns:a16="http://schemas.microsoft.com/office/drawing/2014/main" id="{FC412CDE-336E-FF7E-0A2A-D1214CDE3149}"/>
               </a:ext>
             </a:extLst>
           </p:cNvPr>
@@ -2868,7 +2868,7 @@
           <p:cNvPr id="4" name="日期占位符 3">
             <a:extLst>
               <a:ext uri="{FF2B5EF4-FFF2-40B4-BE49-F238E27FC236}">
-                <a16:creationId xmlns:a16="http://schemas.microsoft.com/office/drawing/2014/main" id="{864FE16C-57D3-E075-3EC6-8C02169B9141}"/>
+                <a16:creationId xmlns:a16="http://schemas.microsoft.com/office/drawing/2014/main" id="{8C52673C-94C8-D871-E683-6E644389FC5B}"/>
               </a:ext>
             </a:extLst>
           </p:cNvPr>
@@ -2902,7 +2902,7 @@
             </a:lvl1pPr>
           </a:lstStyle>
           <a:p>
-            <a:fld id="{903F0209-B148-4268-9970-304DB75329E0}" type="datetimeFigureOut">
+            <a:fld id="{1518E48C-468D-4EA4-AC8F-733687E9235C}" type="datetimeFigureOut">
               <a:rPr lang="zh-CN" altLang="en-US" smtClean="0"/>
               <a:t>2024/3/10</a:t>
             </a:fld>
@@ -2915,7 +2915,7 @@
           <p:cNvPr id="5" name="页脚占位符 4">
             <a:extLst>
               <a:ext uri="{FF2B5EF4-FFF2-40B4-BE49-F238E27FC236}">
-                <a16:creationId xmlns:a16="http://schemas.microsoft.com/office/drawing/2014/main" id="{EC6D5B63-C7C2-81B3-7AC8-775E6DA42FE2}"/>
+                <a16:creationId xmlns:a16="http://schemas.microsoft.com/office/drawing/2014/main" id="{CFA2EC28-1AA4-80FC-A441-894210625198}"/>
               </a:ext>
             </a:extLst>
           </p:cNvPr>
@@ -2958,7 +2958,7 @@
           <p:cNvPr id="6" name="灯片编号占位符 5">
             <a:extLst>
               <a:ext uri="{FF2B5EF4-FFF2-40B4-BE49-F238E27FC236}">
-                <a16:creationId xmlns:a16="http://schemas.microsoft.com/office/drawing/2014/main" id="{E14B378B-A34D-69DF-C4C0-1E9517A96242}"/>
+                <a16:creationId xmlns:a16="http://schemas.microsoft.com/office/drawing/2014/main" id="{98A1CF97-C1E0-8C31-FC0F-6E7841BB877C}"/>
               </a:ext>
             </a:extLst>
           </p:cNvPr>
@@ -2992,7 +2992,7 @@
             </a:lvl1pPr>
           </a:lstStyle>
           <a:p>
-            <a:fld id="{C421FD27-0961-4D24-A4B7-3119F038E1B3}" type="slidenum">
+            <a:fld id="{93120063-7228-47DF-9AE8-30BAC037136B}" type="slidenum">
               <a:rPr lang="zh-CN" altLang="en-US" smtClean="0"/>
               <a:t>‹#›</a:t>
             </a:fld>
@@ -3003,7 +3003,7 @@
     </p:spTree>
     <p:extLst>
       <p:ext uri="{BB962C8B-B14F-4D97-AF65-F5344CB8AC3E}">
-        <p14:creationId xmlns:p14="http://schemas.microsoft.com/office/powerpoint/2010/main" val="2984151470"/>
+        <p14:creationId xmlns:p14="http://schemas.microsoft.com/office/powerpoint/2010/main" val="4002509403"/>
       </p:ext>
     </p:extLst>
   </p:cSld>
@@ -3323,7 +3323,7 @@
       </p:grpSpPr>
       <p:pic>
         <p:nvPicPr>
-          <p:cNvPr id="1159170" name="Picture 2" descr="1131"/>
+          <p:cNvPr id="1160194" name="Picture 2" descr="1132"/>
           <p:cNvPicPr>
             <a:picLocks noChangeAspect="1" noChangeArrowheads="1"/>
           </p:cNvPicPr>
@@ -3344,8 +3344,8 @@
         </p:blipFill>
         <p:spPr bwMode="auto">
           <a:xfrm>
-            <a:off x="1524000" y="0"/>
-            <a:ext cx="9144000" cy="5805488"/>
+            <a:off x="1524000" y="1"/>
+            <a:ext cx="9144000" cy="5516563"/>
           </a:xfrm>
           <a:prstGeom prst="rect">
             <a:avLst/>
